--- a/Bootcamp Project 3 - home sale and rent prices.pptx
+++ b/Bootcamp Project 3 - home sale and rent prices.pptx
@@ -136,107 +136,6 @@
 
 <file path=ppt/changesInfos/changesInfo1.xml><?xml version="1.0" encoding="utf-8"?>
 <pc:chgInfo xmlns:a="http://schemas.openxmlformats.org/drawingml/2006/main" xmlns:r="http://schemas.openxmlformats.org/officeDocument/2006/relationships" xmlns:ac="http://schemas.microsoft.com/office/drawing/2013/main/command" xmlns:pc="http://schemas.microsoft.com/office/powerpoint/2013/main/command">
-  <pc:docChgLst>
-    <pc:chgData name="Rajiv Manglani" userId="a0cf7d0810602c53" providerId="Windows Live" clId="Web-{AF4C924D-8333-46EC-A378-B8EBA8266422}"/>
-    <pc:docChg chg="modSld">
-      <pc:chgData name="Rajiv Manglani" userId="a0cf7d0810602c53" providerId="Windows Live" clId="Web-{AF4C924D-8333-46EC-A378-B8EBA8266422}" dt="2022-01-21T03:27:44.470" v="6" actId="20577"/>
-      <pc:docMkLst>
-        <pc:docMk/>
-      </pc:docMkLst>
-      <pc:sldChg chg="modSp">
-        <pc:chgData name="Rajiv Manglani" userId="a0cf7d0810602c53" providerId="Windows Live" clId="Web-{AF4C924D-8333-46EC-A378-B8EBA8266422}" dt="2022-01-21T03:27:44.470" v="6" actId="20577"/>
-        <pc:sldMkLst>
-          <pc:docMk/>
-          <pc:sldMk cId="1729826314" sldId="257"/>
-        </pc:sldMkLst>
-        <pc:spChg chg="mod">
-          <ac:chgData name="Rajiv Manglani" userId="a0cf7d0810602c53" providerId="Windows Live" clId="Web-{AF4C924D-8333-46EC-A378-B8EBA8266422}" dt="2022-01-21T03:27:44.470" v="6" actId="20577"/>
-          <ac:spMkLst>
-            <pc:docMk/>
-            <pc:sldMk cId="1729826314" sldId="257"/>
-            <ac:spMk id="3" creationId="{627C5DC3-028D-40B8-9CAE-C1DDC06B3DB1}"/>
-          </ac:spMkLst>
-        </pc:spChg>
-      </pc:sldChg>
-    </pc:docChg>
-  </pc:docChgLst>
-  <pc:docChgLst>
-    <pc:chgData name="Rajiv Manglani" userId="a0cf7d0810602c53" providerId="Windows Live" clId="Web-{DE159123-1D50-44FB-9C67-BBBEFD574E3F}"/>
-    <pc:docChg chg="addSld delSld modSld">
-      <pc:chgData name="Rajiv Manglani" userId="a0cf7d0810602c53" providerId="Windows Live" clId="Web-{DE159123-1D50-44FB-9C67-BBBEFD574E3F}" dt="2022-01-21T23:46:09.361" v="329" actId="20577"/>
-      <pc:docMkLst>
-        <pc:docMk/>
-      </pc:docMkLst>
-      <pc:sldChg chg="addSp modSp">
-        <pc:chgData name="Rajiv Manglani" userId="a0cf7d0810602c53" providerId="Windows Live" clId="Web-{DE159123-1D50-44FB-9C67-BBBEFD574E3F}" dt="2022-01-21T23:46:09.361" v="329" actId="20577"/>
-        <pc:sldMkLst>
-          <pc:docMk/>
-          <pc:sldMk cId="1729826314" sldId="257"/>
-        </pc:sldMkLst>
-        <pc:spChg chg="mod">
-          <ac:chgData name="Rajiv Manglani" userId="a0cf7d0810602c53" providerId="Windows Live" clId="Web-{DE159123-1D50-44FB-9C67-BBBEFD574E3F}" dt="2022-01-21T23:26:41.763" v="68" actId="20577"/>
-          <ac:spMkLst>
-            <pc:docMk/>
-            <pc:sldMk cId="1729826314" sldId="257"/>
-            <ac:spMk id="2" creationId="{726B5D37-FAB3-439C-A91B-208014DDFDB3}"/>
-          </ac:spMkLst>
-        </pc:spChg>
-        <pc:spChg chg="mod">
-          <ac:chgData name="Rajiv Manglani" userId="a0cf7d0810602c53" providerId="Windows Live" clId="Web-{DE159123-1D50-44FB-9C67-BBBEFD574E3F}" dt="2022-01-21T23:46:09.361" v="329" actId="20577"/>
-          <ac:spMkLst>
-            <pc:docMk/>
-            <pc:sldMk cId="1729826314" sldId="257"/>
-            <ac:spMk id="3" creationId="{627C5DC3-028D-40B8-9CAE-C1DDC06B3DB1}"/>
-          </ac:spMkLst>
-        </pc:spChg>
-        <pc:spChg chg="add mod">
-          <ac:chgData name="Rajiv Manglani" userId="a0cf7d0810602c53" providerId="Windows Live" clId="Web-{DE159123-1D50-44FB-9C67-BBBEFD574E3F}" dt="2022-01-21T23:23:53.946" v="50" actId="20577"/>
-          <ac:spMkLst>
-            <pc:docMk/>
-            <pc:sldMk cId="1729826314" sldId="257"/>
-            <ac:spMk id="4" creationId="{56F41691-6CC9-4968-9D79-2595874C105F}"/>
-          </ac:spMkLst>
-        </pc:spChg>
-      </pc:sldChg>
-      <pc:sldChg chg="modSp">
-        <pc:chgData name="Rajiv Manglani" userId="a0cf7d0810602c53" providerId="Windows Live" clId="Web-{DE159123-1D50-44FB-9C67-BBBEFD574E3F}" dt="2022-01-21T23:35:30.061" v="289" actId="20577"/>
-        <pc:sldMkLst>
-          <pc:docMk/>
-          <pc:sldMk cId="1517927603" sldId="264"/>
-        </pc:sldMkLst>
-        <pc:spChg chg="mod">
-          <ac:chgData name="Rajiv Manglani" userId="a0cf7d0810602c53" providerId="Windows Live" clId="Web-{DE159123-1D50-44FB-9C67-BBBEFD574E3F}" dt="2022-01-21T23:35:30.061" v="289" actId="20577"/>
-          <ac:spMkLst>
-            <pc:docMk/>
-            <pc:sldMk cId="1517927603" sldId="264"/>
-            <ac:spMk id="3" creationId="{206F25A6-C08A-414D-88E6-35FA4FFF59D4}"/>
-          </ac:spMkLst>
-        </pc:spChg>
-      </pc:sldChg>
-      <pc:sldChg chg="new del">
-        <pc:chgData name="Rajiv Manglani" userId="a0cf7d0810602c53" providerId="Windows Live" clId="Web-{DE159123-1D50-44FB-9C67-BBBEFD574E3F}" dt="2022-01-21T23:42:19.245" v="323"/>
-        <pc:sldMkLst>
-          <pc:docMk/>
-          <pc:sldMk cId="1708265352" sldId="266"/>
-        </pc:sldMkLst>
-      </pc:sldChg>
-      <pc:sldChg chg="modSp add replId">
-        <pc:chgData name="Rajiv Manglani" userId="a0cf7d0810602c53" providerId="Windows Live" clId="Web-{DE159123-1D50-44FB-9C67-BBBEFD574E3F}" dt="2022-01-21T23:21:23.363" v="35" actId="20577"/>
-        <pc:sldMkLst>
-          <pc:docMk/>
-          <pc:sldMk cId="806017146" sldId="267"/>
-        </pc:sldMkLst>
-        <pc:spChg chg="mod">
-          <ac:chgData name="Rajiv Manglani" userId="a0cf7d0810602c53" providerId="Windows Live" clId="Web-{DE159123-1D50-44FB-9C67-BBBEFD574E3F}" dt="2022-01-21T23:21:23.363" v="35" actId="20577"/>
-          <ac:spMkLst>
-            <pc:docMk/>
-            <pc:sldMk cId="806017146" sldId="267"/>
-            <ac:spMk id="3" creationId="{627C5DC3-028D-40B8-9CAE-C1DDC06B3DB1}"/>
-          </ac:spMkLst>
-        </pc:spChg>
-      </pc:sldChg>
-    </pc:docChg>
-  </pc:docChgLst>
   <pc:docChgLst>
     <pc:chgData name="Junki Ogawa" userId="b133387b1b554f29" providerId="LiveId" clId="{733A44B5-F4BA-416A-8966-407BCB05FA8A}"/>
     <pc:docChg chg="undo custSel addSld delSld modSld sldOrd">
@@ -842,6 +741,107 @@
     </pc:docChg>
   </pc:docChgLst>
   <pc:docChgLst>
+    <pc:chgData name="Rajiv Manglani" userId="a0cf7d0810602c53" providerId="Windows Live" clId="Web-{DE159123-1D50-44FB-9C67-BBBEFD574E3F}"/>
+    <pc:docChg chg="addSld delSld modSld">
+      <pc:chgData name="Rajiv Manglani" userId="a0cf7d0810602c53" providerId="Windows Live" clId="Web-{DE159123-1D50-44FB-9C67-BBBEFD574E3F}" dt="2022-01-21T23:46:09.361" v="329" actId="20577"/>
+      <pc:docMkLst>
+        <pc:docMk/>
+      </pc:docMkLst>
+      <pc:sldChg chg="addSp modSp">
+        <pc:chgData name="Rajiv Manglani" userId="a0cf7d0810602c53" providerId="Windows Live" clId="Web-{DE159123-1D50-44FB-9C67-BBBEFD574E3F}" dt="2022-01-21T23:46:09.361" v="329" actId="20577"/>
+        <pc:sldMkLst>
+          <pc:docMk/>
+          <pc:sldMk cId="1729826314" sldId="257"/>
+        </pc:sldMkLst>
+        <pc:spChg chg="mod">
+          <ac:chgData name="Rajiv Manglani" userId="a0cf7d0810602c53" providerId="Windows Live" clId="Web-{DE159123-1D50-44FB-9C67-BBBEFD574E3F}" dt="2022-01-21T23:26:41.763" v="68" actId="20577"/>
+          <ac:spMkLst>
+            <pc:docMk/>
+            <pc:sldMk cId="1729826314" sldId="257"/>
+            <ac:spMk id="2" creationId="{726B5D37-FAB3-439C-A91B-208014DDFDB3}"/>
+          </ac:spMkLst>
+        </pc:spChg>
+        <pc:spChg chg="mod">
+          <ac:chgData name="Rajiv Manglani" userId="a0cf7d0810602c53" providerId="Windows Live" clId="Web-{DE159123-1D50-44FB-9C67-BBBEFD574E3F}" dt="2022-01-21T23:46:09.361" v="329" actId="20577"/>
+          <ac:spMkLst>
+            <pc:docMk/>
+            <pc:sldMk cId="1729826314" sldId="257"/>
+            <ac:spMk id="3" creationId="{627C5DC3-028D-40B8-9CAE-C1DDC06B3DB1}"/>
+          </ac:spMkLst>
+        </pc:spChg>
+        <pc:spChg chg="add mod">
+          <ac:chgData name="Rajiv Manglani" userId="a0cf7d0810602c53" providerId="Windows Live" clId="Web-{DE159123-1D50-44FB-9C67-BBBEFD574E3F}" dt="2022-01-21T23:23:53.946" v="50" actId="20577"/>
+          <ac:spMkLst>
+            <pc:docMk/>
+            <pc:sldMk cId="1729826314" sldId="257"/>
+            <ac:spMk id="4" creationId="{56F41691-6CC9-4968-9D79-2595874C105F}"/>
+          </ac:spMkLst>
+        </pc:spChg>
+      </pc:sldChg>
+      <pc:sldChg chg="modSp">
+        <pc:chgData name="Rajiv Manglani" userId="a0cf7d0810602c53" providerId="Windows Live" clId="Web-{DE159123-1D50-44FB-9C67-BBBEFD574E3F}" dt="2022-01-21T23:35:30.061" v="289" actId="20577"/>
+        <pc:sldMkLst>
+          <pc:docMk/>
+          <pc:sldMk cId="1517927603" sldId="264"/>
+        </pc:sldMkLst>
+        <pc:spChg chg="mod">
+          <ac:chgData name="Rajiv Manglani" userId="a0cf7d0810602c53" providerId="Windows Live" clId="Web-{DE159123-1D50-44FB-9C67-BBBEFD574E3F}" dt="2022-01-21T23:35:30.061" v="289" actId="20577"/>
+          <ac:spMkLst>
+            <pc:docMk/>
+            <pc:sldMk cId="1517927603" sldId="264"/>
+            <ac:spMk id="3" creationId="{206F25A6-C08A-414D-88E6-35FA4FFF59D4}"/>
+          </ac:spMkLst>
+        </pc:spChg>
+      </pc:sldChg>
+      <pc:sldChg chg="new del">
+        <pc:chgData name="Rajiv Manglani" userId="a0cf7d0810602c53" providerId="Windows Live" clId="Web-{DE159123-1D50-44FB-9C67-BBBEFD574E3F}" dt="2022-01-21T23:42:19.245" v="323"/>
+        <pc:sldMkLst>
+          <pc:docMk/>
+          <pc:sldMk cId="1708265352" sldId="266"/>
+        </pc:sldMkLst>
+      </pc:sldChg>
+      <pc:sldChg chg="modSp add replId">
+        <pc:chgData name="Rajiv Manglani" userId="a0cf7d0810602c53" providerId="Windows Live" clId="Web-{DE159123-1D50-44FB-9C67-BBBEFD574E3F}" dt="2022-01-21T23:21:23.363" v="35" actId="20577"/>
+        <pc:sldMkLst>
+          <pc:docMk/>
+          <pc:sldMk cId="806017146" sldId="267"/>
+        </pc:sldMkLst>
+        <pc:spChg chg="mod">
+          <ac:chgData name="Rajiv Manglani" userId="a0cf7d0810602c53" providerId="Windows Live" clId="Web-{DE159123-1D50-44FB-9C67-BBBEFD574E3F}" dt="2022-01-21T23:21:23.363" v="35" actId="20577"/>
+          <ac:spMkLst>
+            <pc:docMk/>
+            <pc:sldMk cId="806017146" sldId="267"/>
+            <ac:spMk id="3" creationId="{627C5DC3-028D-40B8-9CAE-C1DDC06B3DB1}"/>
+          </ac:spMkLst>
+        </pc:spChg>
+      </pc:sldChg>
+    </pc:docChg>
+  </pc:docChgLst>
+  <pc:docChgLst>
+    <pc:chgData name="Rajiv Manglani" userId="a0cf7d0810602c53" providerId="Windows Live" clId="Web-{AF4C924D-8333-46EC-A378-B8EBA8266422}"/>
+    <pc:docChg chg="modSld">
+      <pc:chgData name="Rajiv Manglani" userId="a0cf7d0810602c53" providerId="Windows Live" clId="Web-{AF4C924D-8333-46EC-A378-B8EBA8266422}" dt="2022-01-21T03:27:44.470" v="6" actId="20577"/>
+      <pc:docMkLst>
+        <pc:docMk/>
+      </pc:docMkLst>
+      <pc:sldChg chg="modSp">
+        <pc:chgData name="Rajiv Manglani" userId="a0cf7d0810602c53" providerId="Windows Live" clId="Web-{AF4C924D-8333-46EC-A378-B8EBA8266422}" dt="2022-01-21T03:27:44.470" v="6" actId="20577"/>
+        <pc:sldMkLst>
+          <pc:docMk/>
+          <pc:sldMk cId="1729826314" sldId="257"/>
+        </pc:sldMkLst>
+        <pc:spChg chg="mod">
+          <ac:chgData name="Rajiv Manglani" userId="a0cf7d0810602c53" providerId="Windows Live" clId="Web-{AF4C924D-8333-46EC-A378-B8EBA8266422}" dt="2022-01-21T03:27:44.470" v="6" actId="20577"/>
+          <ac:spMkLst>
+            <pc:docMk/>
+            <pc:sldMk cId="1729826314" sldId="257"/>
+            <ac:spMk id="3" creationId="{627C5DC3-028D-40B8-9CAE-C1DDC06B3DB1}"/>
+          </ac:spMkLst>
+        </pc:spChg>
+      </pc:sldChg>
+    </pc:docChg>
+  </pc:docChgLst>
+  <pc:docChgLst>
     <pc:chgData name="Rajiv Manglani" userId="a0cf7d0810602c53" providerId="Windows Live" clId="Web-{DAA934BF-3840-4749-B3D1-966F33AE0EC1}"/>
     <pc:docChg chg="modSld">
       <pc:chgData name="Rajiv Manglani" userId="a0cf7d0810602c53" providerId="Windows Live" clId="Web-{DAA934BF-3840-4749-B3D1-966F33AE0EC1}" dt="2022-01-21T03:19:25.299" v="247" actId="20577"/>
@@ -1022,7 +1022,7 @@
           <a:p>
             <a:fld id="{7DE22468-EC7C-43A3-8C75-986F0FEF2F96}" type="datetimeFigureOut">
               <a:rPr lang="en-US" smtClean="0"/>
-              <a:t>1/21/2022</a:t>
+              <a:t>1/22/2022</a:t>
             </a:fld>
             <a:endParaRPr lang="en-US"/>
           </a:p>
@@ -2113,7 +2113,7 @@
           <a:p>
             <a:fld id="{26BBED57-93C0-4B35-9D8F-9CD580A78436}" type="datetimeFigureOut">
               <a:rPr lang="en-US" smtClean="0"/>
-              <a:t>1/21/2022</a:t>
+              <a:t>1/22/2022</a:t>
             </a:fld>
             <a:endParaRPr lang="en-US"/>
           </a:p>
@@ -2311,7 +2311,7 @@
           <a:p>
             <a:fld id="{26BBED57-93C0-4B35-9D8F-9CD580A78436}" type="datetimeFigureOut">
               <a:rPr lang="en-US" smtClean="0"/>
-              <a:t>1/21/2022</a:t>
+              <a:t>1/22/2022</a:t>
             </a:fld>
             <a:endParaRPr lang="en-US"/>
           </a:p>
@@ -2519,7 +2519,7 @@
           <a:p>
             <a:fld id="{26BBED57-93C0-4B35-9D8F-9CD580A78436}" type="datetimeFigureOut">
               <a:rPr lang="en-US" smtClean="0"/>
-              <a:t>1/21/2022</a:t>
+              <a:t>1/22/2022</a:t>
             </a:fld>
             <a:endParaRPr lang="en-US"/>
           </a:p>
@@ -2717,7 +2717,7 @@
           <a:p>
             <a:fld id="{26BBED57-93C0-4B35-9D8F-9CD580A78436}" type="datetimeFigureOut">
               <a:rPr lang="en-US" smtClean="0"/>
-              <a:t>1/21/2022</a:t>
+              <a:t>1/22/2022</a:t>
             </a:fld>
             <a:endParaRPr lang="en-US"/>
           </a:p>
@@ -2992,7 +2992,7 @@
           <a:p>
             <a:fld id="{26BBED57-93C0-4B35-9D8F-9CD580A78436}" type="datetimeFigureOut">
               <a:rPr lang="en-US" smtClean="0"/>
-              <a:t>1/21/2022</a:t>
+              <a:t>1/22/2022</a:t>
             </a:fld>
             <a:endParaRPr lang="en-US"/>
           </a:p>
@@ -3257,7 +3257,7 @@
           <a:p>
             <a:fld id="{26BBED57-93C0-4B35-9D8F-9CD580A78436}" type="datetimeFigureOut">
               <a:rPr lang="en-US" smtClean="0"/>
-              <a:t>1/21/2022</a:t>
+              <a:t>1/22/2022</a:t>
             </a:fld>
             <a:endParaRPr lang="en-US"/>
           </a:p>
@@ -3669,7 +3669,7 @@
           <a:p>
             <a:fld id="{26BBED57-93C0-4B35-9D8F-9CD580A78436}" type="datetimeFigureOut">
               <a:rPr lang="en-US" smtClean="0"/>
-              <a:t>1/21/2022</a:t>
+              <a:t>1/22/2022</a:t>
             </a:fld>
             <a:endParaRPr lang="en-US"/>
           </a:p>
@@ -3810,7 +3810,7 @@
           <a:p>
             <a:fld id="{26BBED57-93C0-4B35-9D8F-9CD580A78436}" type="datetimeFigureOut">
               <a:rPr lang="en-US" smtClean="0"/>
-              <a:t>1/21/2022</a:t>
+              <a:t>1/22/2022</a:t>
             </a:fld>
             <a:endParaRPr lang="en-US"/>
           </a:p>
@@ -3923,7 +3923,7 @@
           <a:p>
             <a:fld id="{26BBED57-93C0-4B35-9D8F-9CD580A78436}" type="datetimeFigureOut">
               <a:rPr lang="en-US" smtClean="0"/>
-              <a:t>1/21/2022</a:t>
+              <a:t>1/22/2022</a:t>
             </a:fld>
             <a:endParaRPr lang="en-US"/>
           </a:p>
@@ -4234,7 +4234,7 @@
           <a:p>
             <a:fld id="{26BBED57-93C0-4B35-9D8F-9CD580A78436}" type="datetimeFigureOut">
               <a:rPr lang="en-US" smtClean="0"/>
-              <a:t>1/21/2022</a:t>
+              <a:t>1/22/2022</a:t>
             </a:fld>
             <a:endParaRPr lang="en-US"/>
           </a:p>
@@ -4522,7 +4522,7 @@
           <a:p>
             <a:fld id="{26BBED57-93C0-4B35-9D8F-9CD580A78436}" type="datetimeFigureOut">
               <a:rPr lang="en-US" smtClean="0"/>
-              <a:t>1/21/2022</a:t>
+              <a:t>1/22/2022</a:t>
             </a:fld>
             <a:endParaRPr lang="en-US"/>
           </a:p>
@@ -4763,7 +4763,7 @@
           <a:p>
             <a:fld id="{26BBED57-93C0-4B35-9D8F-9CD580A78436}" type="datetimeFigureOut">
               <a:rPr lang="en-US" smtClean="0"/>
-              <a:t>1/21/2022</a:t>
+              <a:t>1/22/2022</a:t>
             </a:fld>
             <a:endParaRPr lang="en-US"/>
           </a:p>
@@ -5461,7 +5461,7 @@
         </p:nvSpPr>
         <p:spPr>
           <a:xfrm>
-            <a:off x="4745528" y="4292694"/>
+            <a:off x="4745528" y="4230677"/>
             <a:ext cx="2700944" cy="1220636"/>
           </a:xfrm>
           <a:noFill/>
@@ -5562,7 +5562,7 @@
         </p:nvSpPr>
         <p:spPr>
           <a:xfrm>
-            <a:off x="4511955" y="2113521"/>
+            <a:off x="4503795" y="1825508"/>
             <a:ext cx="3184410" cy="2042998"/>
           </a:xfrm>
           <a:noFill/>
@@ -5581,7 +5581,7 @@
                 <a:effectLst/>
                 <a:latin typeface="Arial" panose="020B0604020202020204" pitchFamily="34" charset="0"/>
               </a:rPr>
-              <a:t>What is the </a:t>
+              <a:t>Where is </a:t>
             </a:r>
             <a:br>
               <a:rPr lang="en-US" sz="2400" b="1" i="0" u="none" strike="noStrike" dirty="0">
@@ -5600,7 +5600,64 @@
                 <a:effectLst/>
                 <a:latin typeface="Arial" panose="020B0604020202020204" pitchFamily="34" charset="0"/>
               </a:rPr>
-              <a:t>best zip code to buy as a rental investment?</a:t>
+              <a:t>the best zip </a:t>
+            </a:r>
+            <a:br>
+              <a:rPr lang="en-US" sz="2400" b="1" i="0" u="none" strike="noStrike" dirty="0">
+                <a:solidFill>
+                  <a:srgbClr val="080808"/>
+                </a:solidFill>
+                <a:effectLst/>
+                <a:latin typeface="Arial" panose="020B0604020202020204" pitchFamily="34" charset="0"/>
+              </a:rPr>
+            </a:br>
+            <a:r>
+              <a:rPr lang="en-US" sz="2400" b="1" i="0" u="none" strike="noStrike" dirty="0">
+                <a:solidFill>
+                  <a:srgbClr val="080808"/>
+                </a:solidFill>
+                <a:effectLst/>
+                <a:latin typeface="Arial" panose="020B0604020202020204" pitchFamily="34" charset="0"/>
+              </a:rPr>
+              <a:t>code to buy a </a:t>
+            </a:r>
+            <a:br>
+              <a:rPr lang="en-US" sz="2400" b="1" i="0" u="none" strike="noStrike" dirty="0">
+                <a:solidFill>
+                  <a:srgbClr val="080808"/>
+                </a:solidFill>
+                <a:effectLst/>
+                <a:latin typeface="Arial" panose="020B0604020202020204" pitchFamily="34" charset="0"/>
+              </a:rPr>
+            </a:br>
+            <a:r>
+              <a:rPr lang="en-US" sz="2400" b="1" i="0" u="none" strike="noStrike" dirty="0">
+                <a:solidFill>
+                  <a:srgbClr val="080808"/>
+                </a:solidFill>
+                <a:effectLst/>
+                <a:latin typeface="Arial" panose="020B0604020202020204" pitchFamily="34" charset="0"/>
+              </a:rPr>
+              <a:t>home using the </a:t>
+            </a:r>
+            <a:br>
+              <a:rPr lang="en-US" sz="2400" b="1" i="0" u="none" strike="noStrike" dirty="0">
+                <a:solidFill>
+                  <a:srgbClr val="080808"/>
+                </a:solidFill>
+                <a:effectLst/>
+                <a:latin typeface="Arial" panose="020B0604020202020204" pitchFamily="34" charset="0"/>
+              </a:rPr>
+            </a:br>
+            <a:r>
+              <a:rPr lang="en-US" sz="2400" b="1" i="0" u="none" strike="noStrike" dirty="0">
+                <a:solidFill>
+                  <a:srgbClr val="080808"/>
+                </a:solidFill>
+                <a:effectLst/>
+                <a:latin typeface="Arial" panose="020B0604020202020204" pitchFamily="34" charset="0"/>
+              </a:rPr>
+              <a:t>Price to Rent Ratio?</a:t>
             </a:r>
             <a:br>
               <a:rPr lang="en-US" sz="2400" b="1" i="0" u="none" strike="noStrike" dirty="0">
@@ -5628,7 +5685,26 @@
                 <a:effectLst/>
                 <a:latin typeface="Arial" panose="020B0604020202020204" pitchFamily="34" charset="0"/>
               </a:rPr>
-              <a:t>Comparing top cities in the U.S. with high rent and low home sale prices</a:t>
+              <a:t>Comparing </a:t>
+            </a:r>
+            <a:r>
+              <a:rPr lang="en-US" sz="2000" u="sng" dirty="0">
+                <a:solidFill>
+                  <a:srgbClr val="080808"/>
+                </a:solidFill>
+                <a:latin typeface="Arial" panose="020B0604020202020204" pitchFamily="34" charset="0"/>
+              </a:rPr>
+              <a:t>zip codes </a:t>
+            </a:r>
+            <a:r>
+              <a:rPr lang="en-US" sz="2000" i="0" u="sng" strike="noStrike" dirty="0">
+                <a:solidFill>
+                  <a:srgbClr val="080808"/>
+                </a:solidFill>
+                <a:effectLst/>
+                <a:latin typeface="Arial" panose="020B0604020202020204" pitchFamily="34" charset="0"/>
+              </a:rPr>
+              <a:t>in the U.S. with high rent and low home sale prices</a:t>
             </a:r>
             <a:endParaRPr lang="en-US" sz="1600" u="sng" dirty="0">
               <a:solidFill>
@@ -7544,28 +7620,28 @@
               <a:buNone/>
             </a:pPr>
             <a:r>
-              <a:rPr lang="en-US">
+              <a:rPr lang="en-US" dirty="0">
                 <a:latin typeface="Segoe UI"/>
                 <a:cs typeface="Segoe UI"/>
               </a:rPr>
-              <a:t>Top 5 cities with lowest price to rent ratio – </a:t>
-            </a:r>
-            <a:r>
-              <a:rPr lang="en-US" sz="1800">
+              <a:t>Top 5 cities with lowest Price to Rent Ratio – </a:t>
+            </a:r>
+            <a:r>
+              <a:rPr lang="en-US" sz="1800" dirty="0">
                 <a:latin typeface="Segoe UI"/>
                 <a:cs typeface="Segoe UI"/>
               </a:rPr>
               <a:t>3</a:t>
             </a:r>
             <a:r>
-              <a:rPr lang="en-US" sz="2400">
+              <a:rPr lang="en-US" sz="2400" dirty="0">
                 <a:latin typeface="Segoe UI"/>
                 <a:cs typeface="Segoe UI"/>
               </a:rPr>
               <a:t> </a:t>
             </a:r>
             <a:r>
-              <a:rPr lang="en-US" sz="1800">
+              <a:rPr lang="en-US" sz="1800" dirty="0">
                 <a:latin typeface="Segoe UI"/>
                 <a:cs typeface="Segoe UI"/>
               </a:rPr>
@@ -7576,7 +7652,7 @@
             <a:pPr marL="0" indent="0">
               <a:buNone/>
             </a:pPr>
-            <a:endParaRPr lang="en-US">
+            <a:endParaRPr lang="en-US" dirty="0">
               <a:latin typeface="Segoe UI"/>
               <a:cs typeface="Segoe UI"/>
             </a:endParaRPr>
@@ -7585,7 +7661,7 @@
             <a:pPr marL="0" indent="0">
               <a:buNone/>
             </a:pPr>
-            <a:endParaRPr lang="en-US">
+            <a:endParaRPr lang="en-US" dirty="0">
               <a:latin typeface="Segoe UI"/>
               <a:cs typeface="Segoe UI"/>
             </a:endParaRPr>
@@ -7594,7 +7670,7 @@
             <a:pPr marL="0" indent="0">
               <a:buNone/>
             </a:pPr>
-            <a:endParaRPr lang="en-US">
+            <a:endParaRPr lang="en-US" dirty="0">
               <a:latin typeface="Segoe UI"/>
               <a:cs typeface="Segoe UI"/>
             </a:endParaRPr>
@@ -7603,7 +7679,7 @@
             <a:pPr marL="0" indent="0">
               <a:buNone/>
             </a:pPr>
-            <a:endParaRPr lang="en-US">
+            <a:endParaRPr lang="en-US" dirty="0">
               <a:latin typeface="Segoe UI"/>
               <a:cs typeface="Segoe UI"/>
             </a:endParaRPr>
@@ -7613,14 +7689,14 @@
               <a:buNone/>
             </a:pPr>
             <a:r>
-              <a:rPr lang="en-US">
+              <a:rPr lang="en-US" dirty="0">
                 <a:latin typeface="Segoe UI"/>
                 <a:cs typeface="Segoe UI"/>
               </a:rPr>
-              <a:t>Bottom 5 cities with highest price to rent ratio – </a:t>
-            </a:r>
-            <a:r>
-              <a:rPr lang="en-US" sz="1800">
+              <a:t>Bottom 5 cities with highest Price to Rent Ratio – </a:t>
+            </a:r>
+            <a:r>
+              <a:rPr lang="en-US" sz="1800" dirty="0">
                 <a:latin typeface="Segoe UI"/>
                 <a:cs typeface="Segoe UI"/>
               </a:rPr>
@@ -7631,7 +7707,7 @@
             <a:pPr marL="0" indent="0">
               <a:buNone/>
             </a:pPr>
-            <a:endParaRPr lang="en-US">
+            <a:endParaRPr lang="en-US" dirty="0">
               <a:latin typeface="Segoe UI"/>
               <a:cs typeface="Segoe UI"/>
             </a:endParaRPr>
@@ -7640,7 +7716,7 @@
             <a:pPr marL="0" indent="0">
               <a:buNone/>
             </a:pPr>
-            <a:endParaRPr lang="en-US">
+            <a:endParaRPr lang="en-US" dirty="0">
               <a:latin typeface="Segoe UI"/>
               <a:cs typeface="Segoe UI"/>
             </a:endParaRPr>
@@ -7649,7 +7725,7 @@
             <a:pPr marL="0" indent="0">
               <a:buNone/>
             </a:pPr>
-            <a:endParaRPr lang="en-US">
+            <a:endParaRPr lang="en-US" dirty="0">
               <a:latin typeface="Segoe UI"/>
               <a:cs typeface="Segoe UI"/>
             </a:endParaRPr>
@@ -7726,6 +7802,126 @@
   <p:clrMapOvr>
     <a:masterClrMapping/>
   </p:clrMapOvr>
+  <p:timing>
+    <p:tnLst>
+      <p:par>
+        <p:cTn id="1" dur="indefinite" restart="never" nodeType="tmRoot">
+          <p:childTnLst>
+            <p:seq concurrent="1" nextAc="seek">
+              <p:cTn id="2" dur="indefinite" nodeType="mainSeq">
+                <p:childTnLst>
+                  <p:par>
+                    <p:cTn id="3" fill="hold">
+                      <p:stCondLst>
+                        <p:cond delay="indefinite"/>
+                      </p:stCondLst>
+                      <p:childTnLst>
+                        <p:par>
+                          <p:cTn id="4" fill="hold">
+                            <p:stCondLst>
+                              <p:cond delay="0"/>
+                            </p:stCondLst>
+                            <p:childTnLst>
+                              <p:par>
+                                <p:cTn id="5" presetID="1" presetClass="entr" presetSubtype="0" fill="hold" nodeType="clickEffect">
+                                  <p:stCondLst>
+                                    <p:cond delay="0"/>
+                                  </p:stCondLst>
+                                  <p:childTnLst>
+                                    <p:set>
+                                      <p:cBhvr>
+                                        <p:cTn id="6" dur="1" fill="hold">
+                                          <p:stCondLst>
+                                            <p:cond delay="0"/>
+                                          </p:stCondLst>
+                                        </p:cTn>
+                                        <p:tgtEl>
+                                          <p:spTgt spid="10"/>
+                                        </p:tgtEl>
+                                        <p:attrNameLst>
+                                          <p:attrName>style.visibility</p:attrName>
+                                        </p:attrNameLst>
+                                      </p:cBhvr>
+                                      <p:to>
+                                        <p:strVal val="visible"/>
+                                      </p:to>
+                                    </p:set>
+                                  </p:childTnLst>
+                                </p:cTn>
+                              </p:par>
+                            </p:childTnLst>
+                          </p:cTn>
+                        </p:par>
+                      </p:childTnLst>
+                    </p:cTn>
+                  </p:par>
+                  <p:par>
+                    <p:cTn id="7" fill="hold">
+                      <p:stCondLst>
+                        <p:cond delay="indefinite"/>
+                      </p:stCondLst>
+                      <p:childTnLst>
+                        <p:par>
+                          <p:cTn id="8" fill="hold">
+                            <p:stCondLst>
+                              <p:cond delay="0"/>
+                            </p:stCondLst>
+                            <p:childTnLst>
+                              <p:par>
+                                <p:cTn id="9" presetID="1" presetClass="entr" presetSubtype="0" fill="hold" nodeType="clickEffect">
+                                  <p:stCondLst>
+                                    <p:cond delay="0"/>
+                                  </p:stCondLst>
+                                  <p:childTnLst>
+                                    <p:set>
+                                      <p:cBhvr>
+                                        <p:cTn id="10" dur="1" fill="hold">
+                                          <p:stCondLst>
+                                            <p:cond delay="0"/>
+                                          </p:stCondLst>
+                                        </p:cTn>
+                                        <p:tgtEl>
+                                          <p:spTgt spid="12"/>
+                                        </p:tgtEl>
+                                        <p:attrNameLst>
+                                          <p:attrName>style.visibility</p:attrName>
+                                        </p:attrNameLst>
+                                      </p:cBhvr>
+                                      <p:to>
+                                        <p:strVal val="visible"/>
+                                      </p:to>
+                                    </p:set>
+                                  </p:childTnLst>
+                                </p:cTn>
+                              </p:par>
+                            </p:childTnLst>
+                          </p:cTn>
+                        </p:par>
+                      </p:childTnLst>
+                    </p:cTn>
+                  </p:par>
+                </p:childTnLst>
+              </p:cTn>
+              <p:prevCondLst>
+                <p:cond evt="onPrev" delay="0">
+                  <p:tgtEl>
+                    <p:sldTgt/>
+                  </p:tgtEl>
+                </p:cond>
+              </p:prevCondLst>
+              <p:nextCondLst>
+                <p:cond evt="onNext" delay="0">
+                  <p:tgtEl>
+                    <p:sldTgt/>
+                  </p:tgtEl>
+                </p:cond>
+              </p:nextCondLst>
+            </p:seq>
+          </p:childTnLst>
+        </p:cTn>
+      </p:par>
+    </p:tnLst>
+  </p:timing>
 </p:sld>
 </file>
 
@@ -7839,7 +8035,7 @@
                 <a:latin typeface="Segoe UI" panose="020B0502040204020203" pitchFamily="34" charset="0"/>
                 <a:cs typeface="Segoe UI" panose="020B0502040204020203" pitchFamily="34" charset="0"/>
               </a:rPr>
-              <a:t>Get cleaner data</a:t>
+              <a:t>Get more useable data</a:t>
             </a:r>
           </a:p>
           <a:p>
@@ -7849,7 +8045,7 @@
                 <a:latin typeface="Segoe UI" panose="020B0502040204020203" pitchFamily="34" charset="0"/>
                 <a:cs typeface="Segoe UI" panose="020B0502040204020203" pitchFamily="34" charset="0"/>
               </a:rPr>
-              <a:t>We forgot we needed </a:t>
+              <a:t>Don’t forget to get data with </a:t>
             </a:r>
             <a:r>
               <a:rPr lang="en-US" dirty="0" err="1">
